--- a/ppt/프레젠테이션1.pptx
+++ b/ppt/프레젠테이션1.pptx
@@ -269,7 +269,7 @@
           <a:p>
             <a:fld id="{559D2F81-61D4-418E-A017-FF0B6C7BBC58}" type="datetimeFigureOut">
               <a:rPr lang="ko-KR" altLang="en-US" smtClean="0"/>
-              <a:t>2023-02-07</a:t>
+              <a:t>2023-02-08</a:t>
             </a:fld>
             <a:endParaRPr lang="ko-KR" altLang="en-US"/>
           </a:p>
@@ -439,7 +439,7 @@
           <a:p>
             <a:fld id="{559D2F81-61D4-418E-A017-FF0B6C7BBC58}" type="datetimeFigureOut">
               <a:rPr lang="ko-KR" altLang="en-US" smtClean="0"/>
-              <a:t>2023-02-07</a:t>
+              <a:t>2023-02-08</a:t>
             </a:fld>
             <a:endParaRPr lang="ko-KR" altLang="en-US"/>
           </a:p>
@@ -619,7 +619,7 @@
           <a:p>
             <a:fld id="{559D2F81-61D4-418E-A017-FF0B6C7BBC58}" type="datetimeFigureOut">
               <a:rPr lang="ko-KR" altLang="en-US" smtClean="0"/>
-              <a:t>2023-02-07</a:t>
+              <a:t>2023-02-08</a:t>
             </a:fld>
             <a:endParaRPr lang="ko-KR" altLang="en-US"/>
           </a:p>
@@ -811,7 +811,7 @@
           <a:p>
             <a:fld id="{559D2F81-61D4-418E-A017-FF0B6C7BBC58}" type="datetimeFigureOut">
               <a:rPr lang="ko-KR" altLang="en-US" smtClean="0"/>
-              <a:t>2023-02-07</a:t>
+              <a:t>2023-02-08</a:t>
             </a:fld>
             <a:endParaRPr lang="ko-KR" altLang="en-US"/>
           </a:p>
@@ -981,7 +981,7 @@
           <a:p>
             <a:fld id="{559D2F81-61D4-418E-A017-FF0B6C7BBC58}" type="datetimeFigureOut">
               <a:rPr lang="ko-KR" altLang="en-US" smtClean="0"/>
-              <a:t>2023-02-07</a:t>
+              <a:t>2023-02-08</a:t>
             </a:fld>
             <a:endParaRPr lang="ko-KR" altLang="en-US"/>
           </a:p>
@@ -1227,7 +1227,7 @@
           <a:p>
             <a:fld id="{559D2F81-61D4-418E-A017-FF0B6C7BBC58}" type="datetimeFigureOut">
               <a:rPr lang="ko-KR" altLang="en-US" smtClean="0"/>
-              <a:t>2023-02-07</a:t>
+              <a:t>2023-02-08</a:t>
             </a:fld>
             <a:endParaRPr lang="ko-KR" altLang="en-US"/>
           </a:p>
@@ -1459,7 +1459,7 @@
           <a:p>
             <a:fld id="{559D2F81-61D4-418E-A017-FF0B6C7BBC58}" type="datetimeFigureOut">
               <a:rPr lang="ko-KR" altLang="en-US" smtClean="0"/>
-              <a:t>2023-02-07</a:t>
+              <a:t>2023-02-08</a:t>
             </a:fld>
             <a:endParaRPr lang="ko-KR" altLang="en-US"/>
           </a:p>
@@ -1826,7 +1826,7 @@
           <a:p>
             <a:fld id="{559D2F81-61D4-418E-A017-FF0B6C7BBC58}" type="datetimeFigureOut">
               <a:rPr lang="ko-KR" altLang="en-US" smtClean="0"/>
-              <a:t>2023-02-07</a:t>
+              <a:t>2023-02-08</a:t>
             </a:fld>
             <a:endParaRPr lang="ko-KR" altLang="en-US"/>
           </a:p>
@@ -1944,7 +1944,7 @@
           <a:p>
             <a:fld id="{559D2F81-61D4-418E-A017-FF0B6C7BBC58}" type="datetimeFigureOut">
               <a:rPr lang="ko-KR" altLang="en-US" smtClean="0"/>
-              <a:t>2023-02-07</a:t>
+              <a:t>2023-02-08</a:t>
             </a:fld>
             <a:endParaRPr lang="ko-KR" altLang="en-US"/>
           </a:p>
@@ -2039,7 +2039,7 @@
           <a:p>
             <a:fld id="{559D2F81-61D4-418E-A017-FF0B6C7BBC58}" type="datetimeFigureOut">
               <a:rPr lang="ko-KR" altLang="en-US" smtClean="0"/>
-              <a:t>2023-02-07</a:t>
+              <a:t>2023-02-08</a:t>
             </a:fld>
             <a:endParaRPr lang="ko-KR" altLang="en-US"/>
           </a:p>
@@ -2316,7 +2316,7 @@
           <a:p>
             <a:fld id="{559D2F81-61D4-418E-A017-FF0B6C7BBC58}" type="datetimeFigureOut">
               <a:rPr lang="ko-KR" altLang="en-US" smtClean="0"/>
-              <a:t>2023-02-07</a:t>
+              <a:t>2023-02-08</a:t>
             </a:fld>
             <a:endParaRPr lang="ko-KR" altLang="en-US"/>
           </a:p>
@@ -2486,7 +2486,7 @@
           <a:p>
             <a:fld id="{559D2F81-61D4-418E-A017-FF0B6C7BBC58}" type="datetimeFigureOut">
               <a:rPr lang="ko-KR" altLang="en-US" smtClean="0"/>
-              <a:t>2023-02-07</a:t>
+              <a:t>2023-02-08</a:t>
             </a:fld>
             <a:endParaRPr lang="ko-KR" altLang="en-US"/>
           </a:p>
@@ -2739,7 +2739,7 @@
           <a:p>
             <a:fld id="{559D2F81-61D4-418E-A017-FF0B6C7BBC58}" type="datetimeFigureOut">
               <a:rPr lang="ko-KR" altLang="en-US" smtClean="0"/>
-              <a:t>2023-02-07</a:t>
+              <a:t>2023-02-08</a:t>
             </a:fld>
             <a:endParaRPr lang="ko-KR" altLang="en-US"/>
           </a:p>
@@ -2909,7 +2909,7 @@
           <a:p>
             <a:fld id="{559D2F81-61D4-418E-A017-FF0B6C7BBC58}" type="datetimeFigureOut">
               <a:rPr lang="ko-KR" altLang="en-US" smtClean="0"/>
-              <a:t>2023-02-07</a:t>
+              <a:t>2023-02-08</a:t>
             </a:fld>
             <a:endParaRPr lang="ko-KR" altLang="en-US"/>
           </a:p>
@@ -3089,7 +3089,7 @@
           <a:p>
             <a:fld id="{559D2F81-61D4-418E-A017-FF0B6C7BBC58}" type="datetimeFigureOut">
               <a:rPr lang="ko-KR" altLang="en-US" smtClean="0"/>
-              <a:t>2023-02-07</a:t>
+              <a:t>2023-02-08</a:t>
             </a:fld>
             <a:endParaRPr lang="ko-KR" altLang="en-US"/>
           </a:p>
@@ -3340,7 +3340,7 @@
           <a:p>
             <a:fld id="{559D2F81-61D4-418E-A017-FF0B6C7BBC58}" type="datetimeFigureOut">
               <a:rPr lang="ko-KR" altLang="en-US" smtClean="0"/>
-              <a:t>2023-02-07</a:t>
+              <a:t>2023-02-08</a:t>
             </a:fld>
             <a:endParaRPr lang="ko-KR" altLang="en-US"/>
           </a:p>
@@ -3572,7 +3572,7 @@
           <a:p>
             <a:fld id="{559D2F81-61D4-418E-A017-FF0B6C7BBC58}" type="datetimeFigureOut">
               <a:rPr lang="ko-KR" altLang="en-US" smtClean="0"/>
-              <a:t>2023-02-07</a:t>
+              <a:t>2023-02-08</a:t>
             </a:fld>
             <a:endParaRPr lang="ko-KR" altLang="en-US"/>
           </a:p>
@@ -3919,7 +3919,7 @@
           <a:p>
             <a:fld id="{559D2F81-61D4-418E-A017-FF0B6C7BBC58}" type="datetimeFigureOut">
               <a:rPr lang="ko-KR" altLang="en-US" smtClean="0"/>
-              <a:t>2023-02-07</a:t>
+              <a:t>2023-02-08</a:t>
             </a:fld>
             <a:endParaRPr lang="ko-KR" altLang="en-US"/>
           </a:p>
@@ -4037,7 +4037,7 @@
           <a:p>
             <a:fld id="{559D2F81-61D4-418E-A017-FF0B6C7BBC58}" type="datetimeFigureOut">
               <a:rPr lang="ko-KR" altLang="en-US" smtClean="0"/>
-              <a:t>2023-02-07</a:t>
+              <a:t>2023-02-08</a:t>
             </a:fld>
             <a:endParaRPr lang="ko-KR" altLang="en-US"/>
           </a:p>
@@ -4155,7 +4155,7 @@
           <a:p>
             <a:fld id="{559D2F81-61D4-418E-A017-FF0B6C7BBC58}" type="datetimeFigureOut">
               <a:rPr lang="ko-KR" altLang="en-US" smtClean="0"/>
-              <a:t>2023-02-07</a:t>
+              <a:t>2023-02-08</a:t>
             </a:fld>
             <a:endParaRPr lang="ko-KR" altLang="en-US"/>
           </a:p>
@@ -4439,7 +4439,7 @@
           <a:p>
             <a:fld id="{559D2F81-61D4-418E-A017-FF0B6C7BBC58}" type="datetimeFigureOut">
               <a:rPr lang="ko-KR" altLang="en-US" smtClean="0"/>
-              <a:t>2023-02-07</a:t>
+              <a:t>2023-02-08</a:t>
             </a:fld>
             <a:endParaRPr lang="ko-KR" altLang="en-US"/>
           </a:p>
@@ -4703,7 +4703,7 @@
           <a:p>
             <a:fld id="{559D2F81-61D4-418E-A017-FF0B6C7BBC58}" type="datetimeFigureOut">
               <a:rPr lang="ko-KR" altLang="en-US" smtClean="0"/>
-              <a:t>2023-02-07</a:t>
+              <a:t>2023-02-08</a:t>
             </a:fld>
             <a:endParaRPr lang="ko-KR" altLang="en-US"/>
           </a:p>
@@ -4917,7 +4917,7 @@
           <a:p>
             <a:fld id="{559D2F81-61D4-418E-A017-FF0B6C7BBC58}" type="datetimeFigureOut">
               <a:rPr lang="ko-KR" altLang="en-US" smtClean="0"/>
-              <a:t>2023-02-07</a:t>
+              <a:t>2023-02-08</a:t>
             </a:fld>
             <a:endParaRPr lang="ko-KR" altLang="en-US"/>
           </a:p>
@@ -5446,7 +5446,7 @@
           <a:p>
             <a:fld id="{559D2F81-61D4-418E-A017-FF0B6C7BBC58}" type="datetimeFigureOut">
               <a:rPr lang="ko-KR" altLang="en-US" smtClean="0"/>
-              <a:t>2023-02-07</a:t>
+              <a:t>2023-02-08</a:t>
             </a:fld>
             <a:endParaRPr lang="ko-KR" altLang="en-US"/>
           </a:p>
@@ -9234,7 +9234,23 @@
             <a:pPr algn="ctr"/>
             <a:r>
               <a:rPr lang="ko-KR" altLang="en-US" sz="2500" dirty="0" smtClean="0"/>
-              <a:t>탈퇴 페이지</a:t>
+              <a:t>탈퇴 </a:t>
+            </a:r>
+            <a:r>
+              <a:rPr lang="ko-KR" altLang="en-US" sz="2500" dirty="0" smtClean="0"/>
+              <a:t>페이지</a:t>
+            </a:r>
+            <a:r>
+              <a:rPr lang="en-US" altLang="ko-KR" sz="2500" dirty="0" smtClean="0"/>
+              <a:t>(</a:t>
+            </a:r>
+            <a:r>
+              <a:rPr lang="ko-KR" altLang="en-US" sz="2500" dirty="0" smtClean="0"/>
+              <a:t>팝업</a:t>
+            </a:r>
+            <a:r>
+              <a:rPr lang="en-US" altLang="ko-KR" sz="2500" dirty="0" smtClean="0"/>
+              <a:t>)</a:t>
             </a:r>
             <a:endParaRPr lang="ko-KR" altLang="en-US" sz="2500" dirty="0"/>
           </a:p>
@@ -9248,7 +9264,7 @@
         </p:nvSpPr>
         <p:spPr>
           <a:xfrm>
-            <a:off x="294591" y="167929"/>
+            <a:off x="294591" y="92773"/>
             <a:ext cx="8100000" cy="6480000"/>
           </a:xfrm>
           <a:prstGeom prst="rect">
@@ -9285,28 +9301,28 @@
       </p:sp>
       <p:grpSp>
         <p:nvGrpSpPr>
-          <p:cNvPr id="19" name="그룹 18"/>
+          <p:cNvPr id="2" name="그룹 1"/>
           <p:cNvGrpSpPr/>
           <p:nvPr/>
         </p:nvGrpSpPr>
         <p:grpSpPr>
           <a:xfrm>
-            <a:off x="2104904" y="577852"/>
-            <a:ext cx="4329148" cy="2593188"/>
-            <a:chOff x="2179718" y="2253132"/>
-            <a:chExt cx="4329148" cy="2593188"/>
+            <a:off x="2180017" y="1031877"/>
+            <a:ext cx="4329148" cy="3069525"/>
+            <a:chOff x="2104904" y="3281819"/>
+            <a:chExt cx="4329148" cy="3069525"/>
           </a:xfrm>
         </p:grpSpPr>
         <p:sp>
           <p:nvSpPr>
-            <p:cNvPr id="18" name="직사각형 17"/>
+            <p:cNvPr id="22" name="직사각형 21"/>
             <p:cNvSpPr/>
             <p:nvPr/>
           </p:nvSpPr>
           <p:spPr>
             <a:xfrm>
-              <a:off x="2179718" y="2253132"/>
-              <a:ext cx="4329148" cy="2593188"/>
+              <a:off x="2104904" y="3281819"/>
+              <a:ext cx="4329148" cy="3069525"/>
             </a:xfrm>
             <a:prstGeom prst="rect">
               <a:avLst/>
@@ -9331,19 +9347,231 @@
             <a:lstStyle/>
             <a:p>
               <a:pPr algn="ctr"/>
-              <a:endParaRPr lang="ko-KR" altLang="en-US" dirty="0"/>
+              <a:endParaRPr lang="ko-KR" altLang="en-US"/>
             </a:p>
           </p:txBody>
         </p:sp>
         <p:sp>
           <p:nvSpPr>
-            <p:cNvPr id="6" name="직사각형 5"/>
+            <p:cNvPr id="24" name="TextBox 23"/>
+            <p:cNvSpPr txBox="1"/>
+            <p:nvPr/>
+          </p:nvSpPr>
+          <p:spPr>
+            <a:xfrm>
+              <a:off x="3763135" y="4345880"/>
+              <a:ext cx="2413222" cy="292388"/>
+            </a:xfrm>
+            <a:prstGeom prst="rect">
+              <a:avLst/>
+            </a:prstGeom>
+            <a:noFill/>
+            <a:ln w="12700">
+              <a:solidFill>
+                <a:schemeClr val="tx1"/>
+              </a:solidFill>
+            </a:ln>
+          </p:spPr>
+          <p:txBody>
+            <a:bodyPr wrap="square" rtlCol="0">
+              <a:spAutoFit/>
+            </a:bodyPr>
+            <a:lstStyle/>
+            <a:p>
+              <a:pPr algn="ctr"/>
+              <a:r>
+                <a:rPr lang="en-US" altLang="ko-KR" sz="1300" dirty="0" smtClean="0"/>
+                <a:t>********</a:t>
+              </a:r>
+              <a:endParaRPr lang="ko-KR" altLang="en-US" sz="1300" dirty="0"/>
+            </a:p>
+          </p:txBody>
+        </p:sp>
+        <p:sp>
+          <p:nvSpPr>
+            <p:cNvPr id="25" name="TextBox 24"/>
+            <p:cNvSpPr txBox="1"/>
+            <p:nvPr/>
+          </p:nvSpPr>
+          <p:spPr>
+            <a:xfrm>
+              <a:off x="2347444" y="4949042"/>
+              <a:ext cx="1540670" cy="292388"/>
+            </a:xfrm>
+            <a:prstGeom prst="rect">
+              <a:avLst/>
+            </a:prstGeom>
+            <a:noFill/>
+            <a:ln w="12700">
+              <a:noFill/>
+            </a:ln>
+          </p:spPr>
+          <p:txBody>
+            <a:bodyPr wrap="square" rtlCol="0">
+              <a:spAutoFit/>
+            </a:bodyPr>
+            <a:lstStyle/>
+            <a:p>
+              <a:pPr algn="ctr"/>
+              <a:r>
+                <a:rPr lang="ko-KR" altLang="en-US" sz="1300" dirty="0" smtClean="0"/>
+                <a:t>비밀번호 확인</a:t>
+              </a:r>
+              <a:endParaRPr lang="ko-KR" altLang="en-US" sz="1300" dirty="0"/>
+            </a:p>
+          </p:txBody>
+        </p:sp>
+        <p:sp>
+          <p:nvSpPr>
+            <p:cNvPr id="26" name="TextBox 25"/>
+            <p:cNvSpPr txBox="1"/>
+            <p:nvPr/>
+          </p:nvSpPr>
+          <p:spPr>
+            <a:xfrm>
+              <a:off x="3763134" y="4949042"/>
+              <a:ext cx="2413223" cy="292388"/>
+            </a:xfrm>
+            <a:prstGeom prst="rect">
+              <a:avLst/>
+            </a:prstGeom>
+            <a:noFill/>
+            <a:ln w="12700">
+              <a:solidFill>
+                <a:schemeClr val="tx1"/>
+              </a:solidFill>
+            </a:ln>
+          </p:spPr>
+          <p:txBody>
+            <a:bodyPr wrap="square" rtlCol="0">
+              <a:spAutoFit/>
+            </a:bodyPr>
+            <a:lstStyle/>
+            <a:p>
+              <a:pPr algn="ctr"/>
+              <a:r>
+                <a:rPr lang="en-US" altLang="ko-KR" sz="1300" dirty="0" smtClean="0"/>
+                <a:t>********</a:t>
+              </a:r>
+              <a:endParaRPr lang="ko-KR" altLang="en-US" sz="1300" dirty="0"/>
+            </a:p>
+          </p:txBody>
+        </p:sp>
+        <p:sp>
+          <p:nvSpPr>
+            <p:cNvPr id="27" name="TextBox 26"/>
+            <p:cNvSpPr txBox="1"/>
+            <p:nvPr/>
+          </p:nvSpPr>
+          <p:spPr>
+            <a:xfrm>
+              <a:off x="3244360" y="5753106"/>
+              <a:ext cx="778865" cy="292388"/>
+            </a:xfrm>
+            <a:prstGeom prst="rect">
+              <a:avLst/>
+            </a:prstGeom>
+            <a:noFill/>
+            <a:ln w="12700">
+              <a:solidFill>
+                <a:schemeClr val="tx1"/>
+              </a:solidFill>
+            </a:ln>
+          </p:spPr>
+          <p:txBody>
+            <a:bodyPr wrap="square" rtlCol="0">
+              <a:spAutoFit/>
+            </a:bodyPr>
+            <a:lstStyle/>
+            <a:p>
+              <a:pPr algn="ctr"/>
+              <a:r>
+                <a:rPr lang="ko-KR" altLang="en-US" sz="1300" dirty="0" smtClean="0"/>
+                <a:t>탈퇴</a:t>
+              </a:r>
+              <a:endParaRPr lang="ko-KR" altLang="en-US" sz="1300" dirty="0"/>
+            </a:p>
+          </p:txBody>
+        </p:sp>
+        <p:sp>
+          <p:nvSpPr>
+            <p:cNvPr id="28" name="TextBox 27"/>
+            <p:cNvSpPr txBox="1"/>
+            <p:nvPr/>
+          </p:nvSpPr>
+          <p:spPr>
+            <a:xfrm>
+              <a:off x="2347444" y="4332416"/>
+              <a:ext cx="1540670" cy="292388"/>
+            </a:xfrm>
+            <a:prstGeom prst="rect">
+              <a:avLst/>
+            </a:prstGeom>
+            <a:noFill/>
+            <a:ln w="12700">
+              <a:noFill/>
+            </a:ln>
+          </p:spPr>
+          <p:txBody>
+            <a:bodyPr wrap="square" rtlCol="0">
+              <a:spAutoFit/>
+            </a:bodyPr>
+            <a:lstStyle/>
+            <a:p>
+              <a:pPr algn="ctr"/>
+              <a:r>
+                <a:rPr lang="ko-KR" altLang="en-US" sz="1300" dirty="0" smtClean="0"/>
+                <a:t>비밀번호 </a:t>
+              </a:r>
+              <a:endParaRPr lang="ko-KR" altLang="en-US" sz="1300" dirty="0"/>
+            </a:p>
+          </p:txBody>
+        </p:sp>
+        <p:sp>
+          <p:nvSpPr>
+            <p:cNvPr id="29" name="TextBox 28"/>
+            <p:cNvSpPr txBox="1"/>
+            <p:nvPr/>
+          </p:nvSpPr>
+          <p:spPr>
+            <a:xfrm>
+              <a:off x="4580312" y="5753106"/>
+              <a:ext cx="778865" cy="292388"/>
+            </a:xfrm>
+            <a:prstGeom prst="rect">
+              <a:avLst/>
+            </a:prstGeom>
+            <a:noFill/>
+            <a:ln w="12700">
+              <a:solidFill>
+                <a:schemeClr val="tx1"/>
+              </a:solidFill>
+            </a:ln>
+          </p:spPr>
+          <p:txBody>
+            <a:bodyPr wrap="square" rtlCol="0">
+              <a:spAutoFit/>
+            </a:bodyPr>
+            <a:lstStyle/>
+            <a:p>
+              <a:pPr algn="ctr"/>
+              <a:r>
+                <a:rPr lang="ko-KR" altLang="en-US" sz="1300" dirty="0" smtClean="0"/>
+                <a:t>취소</a:t>
+              </a:r>
+              <a:endParaRPr lang="ko-KR" altLang="en-US" sz="1300" dirty="0"/>
+            </a:p>
+          </p:txBody>
+        </p:sp>
+        <p:sp>
+          <p:nvSpPr>
+            <p:cNvPr id="17" name="직사각형 16"/>
             <p:cNvSpPr/>
             <p:nvPr/>
           </p:nvSpPr>
           <p:spPr>
             <a:xfrm>
-              <a:off x="2991180" y="2976339"/>
+              <a:off x="2991180" y="3519067"/>
               <a:ext cx="2706821" cy="458526"/>
             </a:xfrm>
             <a:prstGeom prst="rect">
@@ -9381,374 +9609,7 @@
             </a:p>
           </p:txBody>
         </p:sp>
-        <p:sp>
-          <p:nvSpPr>
-            <p:cNvPr id="15" name="직사각형 14"/>
-            <p:cNvSpPr/>
-            <p:nvPr/>
-          </p:nvSpPr>
-          <p:spPr>
-            <a:xfrm>
-              <a:off x="4524571" y="3688122"/>
-              <a:ext cx="1168314" cy="369332"/>
-            </a:xfrm>
-            <a:prstGeom prst="rect">
-              <a:avLst/>
-            </a:prstGeom>
-          </p:spPr>
-          <p:style>
-            <a:lnRef idx="2">
-              <a:schemeClr val="dk1"/>
-            </a:lnRef>
-            <a:fillRef idx="1">
-              <a:schemeClr val="lt1"/>
-            </a:fillRef>
-            <a:effectRef idx="0">
-              <a:schemeClr val="dk1"/>
-            </a:effectRef>
-            <a:fontRef idx="minor">
-              <a:schemeClr val="dk1"/>
-            </a:fontRef>
-          </p:style>
-          <p:txBody>
-            <a:bodyPr rtlCol="0" anchor="ctr"/>
-            <a:lstStyle/>
-            <a:p>
-              <a:pPr algn="ctr"/>
-              <a:r>
-                <a:rPr lang="ko-KR" altLang="en-US" dirty="0" smtClean="0"/>
-                <a:t>취소</a:t>
-              </a:r>
-              <a:endParaRPr lang="ko-KR" altLang="en-US" dirty="0"/>
-            </a:p>
-          </p:txBody>
-        </p:sp>
-        <p:sp>
-          <p:nvSpPr>
-            <p:cNvPr id="16" name="직사각형 15"/>
-            <p:cNvSpPr/>
-            <p:nvPr/>
-          </p:nvSpPr>
-          <p:spPr>
-            <a:xfrm>
-              <a:off x="2991180" y="3703530"/>
-              <a:ext cx="1168314" cy="369332"/>
-            </a:xfrm>
-            <a:prstGeom prst="rect">
-              <a:avLst/>
-            </a:prstGeom>
-          </p:spPr>
-          <p:style>
-            <a:lnRef idx="2">
-              <a:schemeClr val="dk1"/>
-            </a:lnRef>
-            <a:fillRef idx="1">
-              <a:schemeClr val="lt1"/>
-            </a:fillRef>
-            <a:effectRef idx="0">
-              <a:schemeClr val="dk1"/>
-            </a:effectRef>
-            <a:fontRef idx="minor">
-              <a:schemeClr val="dk1"/>
-            </a:fontRef>
-          </p:style>
-          <p:txBody>
-            <a:bodyPr rtlCol="0" anchor="ctr"/>
-            <a:lstStyle/>
-            <a:p>
-              <a:pPr algn="ctr"/>
-              <a:r>
-                <a:rPr lang="ko-KR" altLang="en-US" dirty="0" smtClean="0"/>
-                <a:t>회원탈퇴</a:t>
-              </a:r>
-              <a:endParaRPr lang="ko-KR" altLang="en-US" dirty="0"/>
-            </a:p>
-          </p:txBody>
-        </p:sp>
       </p:grpSp>
-      <p:cxnSp>
-        <p:nvCxnSpPr>
-          <p:cNvPr id="21" name="직선 화살표 연결선 20"/>
-          <p:cNvCxnSpPr/>
-          <p:nvPr/>
-        </p:nvCxnSpPr>
-        <p:spPr>
-          <a:xfrm>
-            <a:off x="4269478" y="3325091"/>
-            <a:ext cx="0" cy="623454"/>
-          </a:xfrm>
-          <a:prstGeom prst="straightConnector1">
-            <a:avLst/>
-          </a:prstGeom>
-          <a:ln>
-            <a:tailEnd type="triangle"/>
-          </a:ln>
-        </p:spPr>
-        <p:style>
-          <a:lnRef idx="1">
-            <a:schemeClr val="dk1"/>
-          </a:lnRef>
-          <a:fillRef idx="0">
-            <a:schemeClr val="dk1"/>
-          </a:fillRef>
-          <a:effectRef idx="0">
-            <a:schemeClr val="dk1"/>
-          </a:effectRef>
-          <a:fontRef idx="minor">
-            <a:schemeClr val="tx1"/>
-          </a:fontRef>
-        </p:style>
-      </p:cxnSp>
-      <p:sp>
-        <p:nvSpPr>
-          <p:cNvPr id="22" name="직사각형 21"/>
-          <p:cNvSpPr/>
-          <p:nvPr/>
-        </p:nvSpPr>
-        <p:spPr>
-          <a:xfrm>
-            <a:off x="2104904" y="4044954"/>
-            <a:ext cx="4329148" cy="2512217"/>
-          </a:xfrm>
-          <a:prstGeom prst="rect">
-            <a:avLst/>
-          </a:prstGeom>
-        </p:spPr>
-        <p:style>
-          <a:lnRef idx="2">
-            <a:schemeClr val="dk1"/>
-          </a:lnRef>
-          <a:fillRef idx="1">
-            <a:schemeClr val="lt1"/>
-          </a:fillRef>
-          <a:effectRef idx="0">
-            <a:schemeClr val="dk1"/>
-          </a:effectRef>
-          <a:fontRef idx="minor">
-            <a:schemeClr val="dk1"/>
-          </a:fontRef>
-        </p:style>
-        <p:txBody>
-          <a:bodyPr rtlCol="0" anchor="ctr"/>
-          <a:lstStyle/>
-          <a:p>
-            <a:pPr algn="ctr"/>
-            <a:endParaRPr lang="ko-KR" altLang="en-US"/>
-          </a:p>
-        </p:txBody>
-      </p:sp>
-      <p:sp>
-        <p:nvSpPr>
-          <p:cNvPr id="24" name="TextBox 23"/>
-          <p:cNvSpPr txBox="1"/>
-          <p:nvPr/>
-        </p:nvSpPr>
-        <p:spPr>
-          <a:xfrm>
-            <a:off x="3763135" y="4345880"/>
-            <a:ext cx="2413222" cy="292388"/>
-          </a:xfrm>
-          <a:prstGeom prst="rect">
-            <a:avLst/>
-          </a:prstGeom>
-          <a:noFill/>
-          <a:ln w="12700">
-            <a:solidFill>
-              <a:schemeClr val="tx1"/>
-            </a:solidFill>
-          </a:ln>
-        </p:spPr>
-        <p:txBody>
-          <a:bodyPr wrap="square" rtlCol="0">
-            <a:spAutoFit/>
-          </a:bodyPr>
-          <a:lstStyle/>
-          <a:p>
-            <a:pPr algn="ctr"/>
-            <a:r>
-              <a:rPr lang="en-US" altLang="ko-KR" sz="1300" dirty="0" smtClean="0"/>
-              <a:t>********</a:t>
-            </a:r>
-            <a:endParaRPr lang="ko-KR" altLang="en-US" sz="1300" dirty="0"/>
-          </a:p>
-        </p:txBody>
-      </p:sp>
-      <p:sp>
-        <p:nvSpPr>
-          <p:cNvPr id="25" name="TextBox 24"/>
-          <p:cNvSpPr txBox="1"/>
-          <p:nvPr/>
-        </p:nvSpPr>
-        <p:spPr>
-          <a:xfrm>
-            <a:off x="2347444" y="4949042"/>
-            <a:ext cx="1540670" cy="292388"/>
-          </a:xfrm>
-          <a:prstGeom prst="rect">
-            <a:avLst/>
-          </a:prstGeom>
-          <a:noFill/>
-          <a:ln w="12700">
-            <a:noFill/>
-          </a:ln>
-        </p:spPr>
-        <p:txBody>
-          <a:bodyPr wrap="square" rtlCol="0">
-            <a:spAutoFit/>
-          </a:bodyPr>
-          <a:lstStyle/>
-          <a:p>
-            <a:pPr algn="ctr"/>
-            <a:r>
-              <a:rPr lang="ko-KR" altLang="en-US" sz="1300" dirty="0" smtClean="0"/>
-              <a:t>비밀번호 확인</a:t>
-            </a:r>
-            <a:endParaRPr lang="ko-KR" altLang="en-US" sz="1300" dirty="0"/>
-          </a:p>
-        </p:txBody>
-      </p:sp>
-      <p:sp>
-        <p:nvSpPr>
-          <p:cNvPr id="26" name="TextBox 25"/>
-          <p:cNvSpPr txBox="1"/>
-          <p:nvPr/>
-        </p:nvSpPr>
-        <p:spPr>
-          <a:xfrm>
-            <a:off x="3763134" y="4949042"/>
-            <a:ext cx="2413223" cy="292388"/>
-          </a:xfrm>
-          <a:prstGeom prst="rect">
-            <a:avLst/>
-          </a:prstGeom>
-          <a:noFill/>
-          <a:ln w="12700">
-            <a:solidFill>
-              <a:schemeClr val="tx1"/>
-            </a:solidFill>
-          </a:ln>
-        </p:spPr>
-        <p:txBody>
-          <a:bodyPr wrap="square" rtlCol="0">
-            <a:spAutoFit/>
-          </a:bodyPr>
-          <a:lstStyle/>
-          <a:p>
-            <a:pPr algn="ctr"/>
-            <a:r>
-              <a:rPr lang="en-US" altLang="ko-KR" sz="1300" dirty="0" smtClean="0"/>
-              <a:t>********</a:t>
-            </a:r>
-            <a:endParaRPr lang="ko-KR" altLang="en-US" sz="1300" dirty="0"/>
-          </a:p>
-        </p:txBody>
-      </p:sp>
-      <p:sp>
-        <p:nvSpPr>
-          <p:cNvPr id="27" name="TextBox 26"/>
-          <p:cNvSpPr txBox="1"/>
-          <p:nvPr/>
-        </p:nvSpPr>
-        <p:spPr>
-          <a:xfrm>
-            <a:off x="3244360" y="5753106"/>
-            <a:ext cx="778865" cy="292388"/>
-          </a:xfrm>
-          <a:prstGeom prst="rect">
-            <a:avLst/>
-          </a:prstGeom>
-          <a:noFill/>
-          <a:ln w="12700">
-            <a:solidFill>
-              <a:schemeClr val="tx1"/>
-            </a:solidFill>
-          </a:ln>
-        </p:spPr>
-        <p:txBody>
-          <a:bodyPr wrap="square" rtlCol="0">
-            <a:spAutoFit/>
-          </a:bodyPr>
-          <a:lstStyle/>
-          <a:p>
-            <a:pPr algn="ctr"/>
-            <a:r>
-              <a:rPr lang="ko-KR" altLang="en-US" sz="1300" dirty="0" smtClean="0"/>
-              <a:t>탈퇴</a:t>
-            </a:r>
-            <a:endParaRPr lang="ko-KR" altLang="en-US" sz="1300" dirty="0"/>
-          </a:p>
-        </p:txBody>
-      </p:sp>
-      <p:sp>
-        <p:nvSpPr>
-          <p:cNvPr id="28" name="TextBox 27"/>
-          <p:cNvSpPr txBox="1"/>
-          <p:nvPr/>
-        </p:nvSpPr>
-        <p:spPr>
-          <a:xfrm>
-            <a:off x="2347444" y="4332416"/>
-            <a:ext cx="1540670" cy="292388"/>
-          </a:xfrm>
-          <a:prstGeom prst="rect">
-            <a:avLst/>
-          </a:prstGeom>
-          <a:noFill/>
-          <a:ln w="12700">
-            <a:noFill/>
-          </a:ln>
-        </p:spPr>
-        <p:txBody>
-          <a:bodyPr wrap="square" rtlCol="0">
-            <a:spAutoFit/>
-          </a:bodyPr>
-          <a:lstStyle/>
-          <a:p>
-            <a:pPr algn="ctr"/>
-            <a:r>
-              <a:rPr lang="ko-KR" altLang="en-US" sz="1300" dirty="0" smtClean="0"/>
-              <a:t>비밀번호 </a:t>
-            </a:r>
-            <a:endParaRPr lang="ko-KR" altLang="en-US" sz="1300" dirty="0"/>
-          </a:p>
-        </p:txBody>
-      </p:sp>
-      <p:sp>
-        <p:nvSpPr>
-          <p:cNvPr id="29" name="TextBox 28"/>
-          <p:cNvSpPr txBox="1"/>
-          <p:nvPr/>
-        </p:nvSpPr>
-        <p:spPr>
-          <a:xfrm>
-            <a:off x="4580312" y="5753106"/>
-            <a:ext cx="778865" cy="292388"/>
-          </a:xfrm>
-          <a:prstGeom prst="rect">
-            <a:avLst/>
-          </a:prstGeom>
-          <a:noFill/>
-          <a:ln w="12700">
-            <a:solidFill>
-              <a:schemeClr val="tx1"/>
-            </a:solidFill>
-          </a:ln>
-        </p:spPr>
-        <p:txBody>
-          <a:bodyPr wrap="square" rtlCol="0">
-            <a:spAutoFit/>
-          </a:bodyPr>
-          <a:lstStyle/>
-          <a:p>
-            <a:pPr algn="ctr"/>
-            <a:r>
-              <a:rPr lang="ko-KR" altLang="en-US" sz="1300" dirty="0" smtClean="0"/>
-              <a:t>취소</a:t>
-            </a:r>
-            <a:endParaRPr lang="ko-KR" altLang="en-US" sz="1300" dirty="0"/>
-          </a:p>
-        </p:txBody>
-      </p:sp>
     </p:spTree>
     <p:extLst>
       <p:ext uri="{BB962C8B-B14F-4D97-AF65-F5344CB8AC3E}">
@@ -14013,7 +13874,23 @@
             <a:pPr algn="ctr"/>
             <a:r>
               <a:rPr lang="ko-KR" altLang="en-US" sz="2500" dirty="0" smtClean="0"/>
-              <a:t>비번 초기화</a:t>
+              <a:t>비번 </a:t>
+            </a:r>
+            <a:r>
+              <a:rPr lang="ko-KR" altLang="en-US" sz="2500" smtClean="0"/>
+              <a:t>초기화</a:t>
+            </a:r>
+            <a:r>
+              <a:rPr lang="en-US" altLang="ko-KR" sz="2500" smtClean="0"/>
+              <a:t>(</a:t>
+            </a:r>
+            <a:r>
+              <a:rPr lang="ko-KR" altLang="en-US" sz="2500" smtClean="0"/>
+              <a:t>팝업</a:t>
+            </a:r>
+            <a:r>
+              <a:rPr lang="en-US" altLang="ko-KR" sz="2500" smtClean="0"/>
+              <a:t>)</a:t>
             </a:r>
             <a:endParaRPr lang="ko-KR" altLang="en-US" sz="2500" dirty="0"/>
           </a:p>
@@ -14027,7 +13904,7 @@
         </p:nvSpPr>
         <p:spPr>
           <a:xfrm>
-            <a:off x="2842014" y="463552"/>
+            <a:off x="2840345" y="567812"/>
             <a:ext cx="2681289" cy="568325"/>
           </a:xfrm>
           <a:prstGeom prst="rect">
@@ -14063,48 +13940,6 @@
       </p:sp>
       <p:sp>
         <p:nvSpPr>
-          <p:cNvPr id="7" name="TextBox 6"/>
-          <p:cNvSpPr txBox="1"/>
-          <p:nvPr/>
-        </p:nvSpPr>
-        <p:spPr>
-          <a:xfrm>
-            <a:off x="6087664" y="722540"/>
-            <a:ext cx="1540670" cy="292388"/>
-          </a:xfrm>
-          <a:prstGeom prst="rect">
-            <a:avLst/>
-          </a:prstGeom>
-          <a:noFill/>
-          <a:ln w="12700">
-            <a:noFill/>
-          </a:ln>
-        </p:spPr>
-        <p:txBody>
-          <a:bodyPr wrap="square" rtlCol="0">
-            <a:spAutoFit/>
-          </a:bodyPr>
-          <a:lstStyle/>
-          <a:p>
-            <a:pPr algn="ctr"/>
-            <a:r>
-              <a:rPr lang="ko-KR" altLang="en-US" sz="1300" dirty="0" smtClean="0"/>
-              <a:t>로그인</a:t>
-            </a:r>
-            <a:r>
-              <a:rPr lang="en-US" altLang="ko-KR" sz="1300" dirty="0" smtClean="0"/>
-              <a:t>/</a:t>
-            </a:r>
-            <a:r>
-              <a:rPr lang="ko-KR" altLang="en-US" sz="1300" dirty="0" smtClean="0"/>
-              <a:t>회원가입</a:t>
-            </a:r>
-            <a:endParaRPr lang="ko-KR" altLang="en-US" sz="1300" dirty="0"/>
-          </a:p>
-        </p:txBody>
-      </p:sp>
-      <p:sp>
-        <p:nvSpPr>
           <p:cNvPr id="24" name="직사각형 23"/>
           <p:cNvSpPr/>
           <p:nvPr/>
@@ -14314,6 +14149,48 @@
               <a:t>비밀번호 초기화</a:t>
             </a:r>
             <a:endParaRPr lang="ko-KR" altLang="en-US" sz="1300" dirty="0"/>
+          </a:p>
+        </p:txBody>
+      </p:sp>
+      <p:sp>
+        <p:nvSpPr>
+          <p:cNvPr id="2" name="직사각형 1"/>
+          <p:cNvSpPr/>
+          <p:nvPr/>
+        </p:nvSpPr>
+        <p:spPr>
+          <a:xfrm>
+            <a:off x="5227520" y="3886149"/>
+            <a:ext cx="823407" cy="315599"/>
+          </a:xfrm>
+          <a:prstGeom prst="rect">
+            <a:avLst/>
+          </a:prstGeom>
+        </p:spPr>
+        <p:style>
+          <a:lnRef idx="2">
+            <a:schemeClr val="accent6"/>
+          </a:lnRef>
+          <a:fillRef idx="1">
+            <a:schemeClr val="lt1"/>
+          </a:fillRef>
+          <a:effectRef idx="0">
+            <a:schemeClr val="accent6"/>
+          </a:effectRef>
+          <a:fontRef idx="minor">
+            <a:schemeClr val="dk1"/>
+          </a:fontRef>
+        </p:style>
+        <p:txBody>
+          <a:bodyPr rtlCol="0" anchor="ctr"/>
+          <a:lstStyle/>
+          <a:p>
+            <a:pPr algn="ctr"/>
+            <a:r>
+              <a:rPr lang="ko-KR" altLang="en-US" dirty="0" smtClean="0"/>
+              <a:t>취소</a:t>
+            </a:r>
+            <a:endParaRPr lang="en-US" altLang="ko-KR" dirty="0" smtClean="0"/>
           </a:p>
         </p:txBody>
       </p:sp>
